--- a/docs/slides/Topic 8 - Testing (Part 1).pptx
+++ b/docs/slides/Topic 8 - Testing (Part 1).pptx
@@ -1506,7 +1506,7 @@
         <p:spPr>
           <a:xfrm>
             <a:off x="726439" y="780733"/>
-            <a:ext cx="1408430" cy="488950"/>
+            <a:ext cx="1408430" cy="461665"/>
           </a:xfrm>
           <a:prstGeom prst="rect">
             <a:avLst/>
@@ -1538,9 +1538,16 @@
                 <a:latin typeface="Geneva"/>
                 <a:cs typeface="Geneva"/>
               </a:rPr>
-              <a:t>opic	6</a:t>
-            </a:r>
-            <a:endParaRPr sz="3000">
+              <a:t>opic	</a:t>
+            </a:r>
+            <a:r>
+              <a:rPr lang="en-US" sz="3000" dirty="0" smtClean="0">
+                <a:latin typeface="Geneva"/>
+                <a:cs typeface="Geneva"/>
+              </a:rPr>
+              <a:t>8</a:t>
+            </a:r>
+            <a:endParaRPr sz="3000" dirty="0">
               <a:latin typeface="Geneva"/>
               <a:cs typeface="Geneva"/>
             </a:endParaRPr>
